--- a/BlochOsc Figures/Extra figures.pptx
+++ b/BlochOsc Figures/Extra figures.pptx
@@ -2966,161 +2966,222 @@
       </p:grpSpPr>
       <p:grpSp>
         <p:nvGrpSpPr>
-          <p:cNvPr id="8" name="Group 7"/>
+          <p:cNvPr id="12" name="Group 11"/>
           <p:cNvGrpSpPr/>
           <p:nvPr/>
         </p:nvGrpSpPr>
         <p:grpSpPr>
           <a:xfrm>
-            <a:off x="1083209" y="1548680"/>
-            <a:ext cx="5533093" cy="2424096"/>
-            <a:chOff x="1083209" y="1548680"/>
-            <a:chExt cx="5533093" cy="2424096"/>
+            <a:off x="1073481" y="1245141"/>
+            <a:ext cx="5794247" cy="2947480"/>
+            <a:chOff x="1073481" y="1245141"/>
+            <a:chExt cx="5794247" cy="2947480"/>
           </a:xfrm>
         </p:grpSpPr>
-        <p:pic>
-          <p:nvPicPr>
-            <p:cNvPr id="5" name="Picture 4">
-              <a:extLst>
-                <a:ext uri="{FF2B5EF4-FFF2-40B4-BE49-F238E27FC236}">
-                  <a16:creationId xmlns="" xmlns:a16="http://schemas.microsoft.com/office/drawing/2014/main" id="{24B9D5A6-A9C0-4FBB-A2A4-6A9AA289AE60}"/>
-                </a:ext>
-              </a:extLst>
-            </p:cNvPr>
-            <p:cNvPicPr>
-              <a:picLocks noChangeAspect="1"/>
-            </p:cNvPicPr>
+        <p:sp>
+          <p:nvSpPr>
+            <p:cNvPr id="9" name="Rectangle 8"/>
+            <p:cNvSpPr/>
             <p:nvPr/>
-          </p:nvPicPr>
-          <p:blipFill>
-            <a:blip r:embed="rId2" cstate="print">
-              <a:extLst>
-                <a:ext uri="{28A0092B-C50C-407E-A947-70E740481C1C}">
-                  <a14:useLocalDpi xmlns:a14="http://schemas.microsoft.com/office/drawing/2010/main" val="0"/>
-                </a:ext>
-              </a:extLst>
-            </a:blip>
-            <a:stretch>
-              <a:fillRect/>
-            </a:stretch>
-          </p:blipFill>
+          </p:nvSpPr>
           <p:spPr>
             <a:xfrm>
-              <a:off x="1083209" y="1789192"/>
-              <a:ext cx="2926080" cy="2183584"/>
+              <a:off x="1073481" y="1245141"/>
+              <a:ext cx="5794247" cy="2947480"/>
             </a:xfrm>
             <a:prstGeom prst="rect">
               <a:avLst/>
             </a:prstGeom>
+            <a:solidFill>
+              <a:schemeClr val="bg1"/>
+            </a:solidFill>
+            <a:ln>
+              <a:noFill/>
+            </a:ln>
           </p:spPr>
-        </p:pic>
-        <p:pic>
-          <p:nvPicPr>
-            <p:cNvPr id="4" name="Picture 3">
-              <a:extLst>
-                <a:ext uri="{FF2B5EF4-FFF2-40B4-BE49-F238E27FC236}">
-                  <a16:creationId xmlns="" xmlns:a16="http://schemas.microsoft.com/office/drawing/2014/main" id="{7BEDA76B-D708-4F98-85C7-7806D7052931}"/>
-                </a:ext>
-              </a:extLst>
-            </p:cNvPr>
-            <p:cNvPicPr>
-              <a:picLocks noChangeAspect="1"/>
-            </p:cNvPicPr>
-            <p:nvPr/>
-          </p:nvPicPr>
-          <p:blipFill rotWithShape="1">
-            <a:blip r:embed="rId3" cstate="print">
-              <a:extLst>
-                <a:ext uri="{28A0092B-C50C-407E-A947-70E740481C1C}">
-                  <a14:useLocalDpi xmlns:a14="http://schemas.microsoft.com/office/drawing/2010/main" val="0"/>
-                </a:ext>
-              </a:extLst>
-            </a:blip>
-            <a:srcRect l="2546" t="6153" r="8519"/>
-            <a:stretch/>
-          </p:blipFill>
-          <p:spPr>
-            <a:xfrm>
-              <a:off x="3949430" y="1825679"/>
-              <a:ext cx="2666872" cy="2110609"/>
-            </a:xfrm>
-            <a:prstGeom prst="rect">
-              <a:avLst/>
-            </a:prstGeom>
-          </p:spPr>
-        </p:pic>
-        <p:sp>
-          <p:nvSpPr>
-            <p:cNvPr id="6" name="TextBox 5"/>
-            <p:cNvSpPr txBox="1"/>
-            <p:nvPr/>
-          </p:nvSpPr>
-          <p:spPr>
-            <a:xfrm>
-              <a:off x="1083209" y="1548680"/>
-              <a:ext cx="859531" cy="276999"/>
-            </a:xfrm>
-            <a:prstGeom prst="rect">
-              <a:avLst/>
-            </a:prstGeom>
-            <a:noFill/>
-          </p:spPr>
+          <p:style>
+            <a:lnRef idx="2">
+              <a:schemeClr val="accent1">
+                <a:shade val="50000"/>
+              </a:schemeClr>
+            </a:lnRef>
+            <a:fillRef idx="1">
+              <a:schemeClr val="accent1"/>
+            </a:fillRef>
+            <a:effectRef idx="0">
+              <a:schemeClr val="accent1"/>
+            </a:effectRef>
+            <a:fontRef idx="minor">
+              <a:schemeClr val="lt1"/>
+            </a:fontRef>
+          </p:style>
           <p:txBody>
-            <a:bodyPr wrap="none" rtlCol="0">
-              <a:spAutoFit/>
-            </a:bodyPr>
+            <a:bodyPr rtlCol="0" anchor="ctr"/>
             <a:lstStyle/>
             <a:p>
-              <a:r>
-                <a:rPr lang="en-US" sz="1200" dirty="0" smtClean="0">
-                  <a:latin typeface="Arial" panose="020B0604020202020204" pitchFamily="34" charset="0"/>
-                  <a:cs typeface="Arial" panose="020B0604020202020204" pitchFamily="34" charset="0"/>
-                </a:rPr>
-                <a:t>(a) 5 sites</a:t>
-              </a:r>
-              <a:endParaRPr lang="en-US" sz="1200" dirty="0">
-                <a:latin typeface="Arial" panose="020B0604020202020204" pitchFamily="34" charset="0"/>
-                <a:cs typeface="Arial" panose="020B0604020202020204" pitchFamily="34" charset="0"/>
-              </a:endParaRPr>
+              <a:pPr algn="ctr"/>
+              <a:endParaRPr lang="en-US"/>
             </a:p>
           </p:txBody>
         </p:sp>
-        <p:sp>
-          <p:nvSpPr>
-            <p:cNvPr id="7" name="TextBox 6"/>
-            <p:cNvSpPr txBox="1"/>
+        <p:grpSp>
+          <p:nvGrpSpPr>
+            <p:cNvPr id="8" name="Group 7"/>
+            <p:cNvGrpSpPr/>
             <p:nvPr/>
-          </p:nvSpPr>
-          <p:spPr>
+          </p:nvGrpSpPr>
+          <p:grpSpPr>
             <a:xfrm>
-              <a:off x="3949430" y="1548680"/>
-              <a:ext cx="944489" cy="276999"/>
+              <a:off x="1083209" y="1548680"/>
+              <a:ext cx="5533093" cy="2424096"/>
+              <a:chOff x="1083209" y="1548680"/>
+              <a:chExt cx="5533093" cy="2424096"/>
             </a:xfrm>
-            <a:prstGeom prst="rect">
-              <a:avLst/>
-            </a:prstGeom>
-            <a:noFill/>
-          </p:spPr>
-          <p:txBody>
-            <a:bodyPr wrap="none" rtlCol="0">
-              <a:spAutoFit/>
-            </a:bodyPr>
-            <a:lstStyle/>
-            <a:p>
-              <a:r>
-                <a:rPr lang="en-US" sz="1200" dirty="0" smtClean="0">
+          </p:grpSpPr>
+          <p:pic>
+            <p:nvPicPr>
+              <p:cNvPr id="5" name="Picture 4">
+                <a:extLst>
+                  <a:ext uri="{FF2B5EF4-FFF2-40B4-BE49-F238E27FC236}">
+                    <a16:creationId xmlns="" xmlns:a16="http://schemas.microsoft.com/office/drawing/2014/main" id="{24B9D5A6-A9C0-4FBB-A2A4-6A9AA289AE60}"/>
+                  </a:ext>
+                </a:extLst>
+              </p:cNvPr>
+              <p:cNvPicPr>
+                <a:picLocks noChangeAspect="1"/>
+              </p:cNvPicPr>
+              <p:nvPr/>
+            </p:nvPicPr>
+            <p:blipFill>
+              <a:blip r:embed="rId2" cstate="print">
+                <a:extLst>
+                  <a:ext uri="{28A0092B-C50C-407E-A947-70E740481C1C}">
+                    <a14:useLocalDpi xmlns:a14="http://schemas.microsoft.com/office/drawing/2010/main" val="0"/>
+                  </a:ext>
+                </a:extLst>
+              </a:blip>
+              <a:stretch>
+                <a:fillRect/>
+              </a:stretch>
+            </p:blipFill>
+            <p:spPr>
+              <a:xfrm>
+                <a:off x="1083209" y="1789192"/>
+                <a:ext cx="2926080" cy="2183584"/>
+              </a:xfrm>
+              <a:prstGeom prst="rect">
+                <a:avLst/>
+              </a:prstGeom>
+            </p:spPr>
+          </p:pic>
+          <p:pic>
+            <p:nvPicPr>
+              <p:cNvPr id="4" name="Picture 3">
+                <a:extLst>
+                  <a:ext uri="{FF2B5EF4-FFF2-40B4-BE49-F238E27FC236}">
+                    <a16:creationId xmlns="" xmlns:a16="http://schemas.microsoft.com/office/drawing/2014/main" id="{7BEDA76B-D708-4F98-85C7-7806D7052931}"/>
+                  </a:ext>
+                </a:extLst>
+              </p:cNvPr>
+              <p:cNvPicPr>
+                <a:picLocks noChangeAspect="1"/>
+              </p:cNvPicPr>
+              <p:nvPr/>
+            </p:nvPicPr>
+            <p:blipFill rotWithShape="1">
+              <a:blip r:embed="rId3" cstate="print">
+                <a:extLst>
+                  <a:ext uri="{28A0092B-C50C-407E-A947-70E740481C1C}">
+                    <a14:useLocalDpi xmlns:a14="http://schemas.microsoft.com/office/drawing/2010/main" val="0"/>
+                  </a:ext>
+                </a:extLst>
+              </a:blip>
+              <a:srcRect l="2546" t="6151" r="8519" b="713"/>
+              <a:stretch/>
+            </p:blipFill>
+            <p:spPr>
+              <a:xfrm>
+                <a:off x="3949430" y="1825678"/>
+                <a:ext cx="2666872" cy="2094569"/>
+              </a:xfrm>
+              <a:prstGeom prst="rect">
+                <a:avLst/>
+              </a:prstGeom>
+            </p:spPr>
+          </p:pic>
+          <p:sp>
+            <p:nvSpPr>
+              <p:cNvPr id="6" name="TextBox 5"/>
+              <p:cNvSpPr txBox="1"/>
+              <p:nvPr/>
+            </p:nvSpPr>
+            <p:spPr>
+              <a:xfrm>
+                <a:off x="1083209" y="1548680"/>
+                <a:ext cx="859531" cy="276999"/>
+              </a:xfrm>
+              <a:prstGeom prst="rect">
+                <a:avLst/>
+              </a:prstGeom>
+              <a:noFill/>
+            </p:spPr>
+            <p:txBody>
+              <a:bodyPr wrap="none" rtlCol="0">
+                <a:spAutoFit/>
+              </a:bodyPr>
+              <a:lstStyle/>
+              <a:p>
+                <a:r>
+                  <a:rPr lang="en-US" sz="1200" dirty="0" smtClean="0">
+                    <a:latin typeface="Arial" panose="020B0604020202020204" pitchFamily="34" charset="0"/>
+                    <a:cs typeface="Arial" panose="020B0604020202020204" pitchFamily="34" charset="0"/>
+                  </a:rPr>
+                  <a:t>(a) 5 sites</a:t>
+                </a:r>
+                <a:endParaRPr lang="en-US" sz="1200" dirty="0">
                   <a:latin typeface="Arial" panose="020B0604020202020204" pitchFamily="34" charset="0"/>
                   <a:cs typeface="Arial" panose="020B0604020202020204" pitchFamily="34" charset="0"/>
-                </a:rPr>
-                <a:t>(b) 41 sites</a:t>
-              </a:r>
-              <a:endParaRPr lang="en-US" sz="1200" dirty="0">
-                <a:latin typeface="Arial" panose="020B0604020202020204" pitchFamily="34" charset="0"/>
-                <a:cs typeface="Arial" panose="020B0604020202020204" pitchFamily="34" charset="0"/>
-              </a:endParaRPr>
-            </a:p>
-          </p:txBody>
-        </p:sp>
+                </a:endParaRPr>
+              </a:p>
+            </p:txBody>
+          </p:sp>
+          <p:sp>
+            <p:nvSpPr>
+              <p:cNvPr id="7" name="TextBox 6"/>
+              <p:cNvSpPr txBox="1"/>
+              <p:nvPr/>
+            </p:nvSpPr>
+            <p:spPr>
+              <a:xfrm>
+                <a:off x="3949430" y="1548680"/>
+                <a:ext cx="944489" cy="276999"/>
+              </a:xfrm>
+              <a:prstGeom prst="rect">
+                <a:avLst/>
+              </a:prstGeom>
+              <a:noFill/>
+            </p:spPr>
+            <p:txBody>
+              <a:bodyPr wrap="none" rtlCol="0">
+                <a:spAutoFit/>
+              </a:bodyPr>
+              <a:lstStyle/>
+              <a:p>
+                <a:r>
+                  <a:rPr lang="en-US" sz="1200" dirty="0" smtClean="0">
+                    <a:latin typeface="Arial" panose="020B0604020202020204" pitchFamily="34" charset="0"/>
+                    <a:cs typeface="Arial" panose="020B0604020202020204" pitchFamily="34" charset="0"/>
+                  </a:rPr>
+                  <a:t>(b) 41 sites</a:t>
+                </a:r>
+                <a:endParaRPr lang="en-US" sz="1200" dirty="0">
+                  <a:latin typeface="Arial" panose="020B0604020202020204" pitchFamily="34" charset="0"/>
+                  <a:cs typeface="Arial" panose="020B0604020202020204" pitchFamily="34" charset="0"/>
+                </a:endParaRPr>
+              </a:p>
+            </p:txBody>
+          </p:sp>
+        </p:grpSp>
       </p:grpSp>
     </p:spTree>
     <p:extLst>
